--- a/MSSQLtoBBF.pptx
+++ b/MSSQLtoBBF.pptx
@@ -4792,52 +4792,41 @@
           </a:p>
         </p:txBody>
       </p:sp>
-      <p:pic>
-        <p:nvPicPr>
-          <p:cNvPr id="1026" name="Picture 2">
+      <p:sp>
+        <p:nvSpPr>
+          <p:cNvPr id="5" name="TextBox 4">
             <a:extLst>
               <a:ext uri="{FF2B5EF4-FFF2-40B4-BE49-F238E27FC236}">
-                <a16:creationId xmlns:a16="http://schemas.microsoft.com/office/drawing/2014/main" id="{E703CC1C-760A-F002-77BE-C6440EF0A122}"/>
+                <a16:creationId xmlns:a16="http://schemas.microsoft.com/office/drawing/2014/main" id="{9615FF8F-E424-8B90-E00F-D8458F09FC65}"/>
               </a:ext>
             </a:extLst>
           </p:cNvPr>
-          <p:cNvPicPr>
-            <a:picLocks noChangeAspect="1" noChangeArrowheads="1"/>
-          </p:cNvPicPr>
+          <p:cNvSpPr txBox="1"/>
           <p:nvPr/>
-        </p:nvPicPr>
-        <p:blipFill>
-          <a:blip r:embed="rId2">
-            <a:extLst>
-              <a:ext uri="{28A0092B-C50C-407E-A947-70E740481C1C}">
-                <a14:useLocalDpi xmlns:a14="http://schemas.microsoft.com/office/drawing/2010/main" val="0"/>
-              </a:ext>
-            </a:extLst>
-          </a:blip>
-          <a:stretch>
-            <a:fillRect/>
-          </a:stretch>
-        </p:blipFill>
-        <p:spPr bwMode="auto">
+        </p:nvSpPr>
+        <p:spPr>
           <a:xfrm>
-            <a:off x="5190419" y="1876389"/>
-            <a:ext cx="2802873" cy="1401436"/>
+            <a:off x="5525476" y="2305539"/>
+            <a:ext cx="2172677" cy="369332"/>
           </a:xfrm>
           <a:prstGeom prst="rect">
             <a:avLst/>
           </a:prstGeom>
           <a:noFill/>
-          <a:extLst>
-            <a:ext uri="{909E8E84-426E-40DD-AFC4-6F175D3DCCD1}">
-              <a14:hiddenFill xmlns:a14="http://schemas.microsoft.com/office/drawing/2010/main">
-                <a:solidFill>
-                  <a:srgbClr val="FFFFFF"/>
-                </a:solidFill>
-              </a14:hiddenFill>
-            </a:ext>
-          </a:extLst>
         </p:spPr>
-      </p:pic>
+        <p:txBody>
+          <a:bodyPr wrap="square" rtlCol="0">
+            <a:spAutoFit/>
+          </a:bodyPr>
+          <a:lstStyle/>
+          <a:p>
+            <a:r>
+              <a:rPr lang="en-US" dirty="0"/>
+              <a:t>Cintia Mendiberry</a:t>
+            </a:r>
+          </a:p>
+        </p:txBody>
+      </p:sp>
     </p:spTree>
   </p:cSld>
   <p:clrMapOvr>
@@ -5294,52 +5283,6 @@
           </a:p>
         </p:txBody>
       </p:sp>
-      <p:pic>
-        <p:nvPicPr>
-          <p:cNvPr id="6" name="Picture 2">
-            <a:extLst>
-              <a:ext uri="{FF2B5EF4-FFF2-40B4-BE49-F238E27FC236}">
-                <a16:creationId xmlns:a16="http://schemas.microsoft.com/office/drawing/2014/main" id="{1FFED1B0-F5C9-F0C2-981D-6D22D2DA558A}"/>
-              </a:ext>
-            </a:extLst>
-          </p:cNvPr>
-          <p:cNvPicPr>
-            <a:picLocks noChangeAspect="1" noChangeArrowheads="1"/>
-          </p:cNvPicPr>
-          <p:nvPr/>
-        </p:nvPicPr>
-        <p:blipFill>
-          <a:blip r:embed="rId3">
-            <a:extLst>
-              <a:ext uri="{28A0092B-C50C-407E-A947-70E740481C1C}">
-                <a14:useLocalDpi xmlns:a14="http://schemas.microsoft.com/office/drawing/2010/main" val="0"/>
-              </a:ext>
-            </a:extLst>
-          </a:blip>
-          <a:stretch>
-            <a:fillRect/>
-          </a:stretch>
-        </p:blipFill>
-        <p:spPr bwMode="auto">
-          <a:xfrm>
-            <a:off x="165180" y="472401"/>
-            <a:ext cx="1269358" cy="634679"/>
-          </a:xfrm>
-          <a:prstGeom prst="rect">
-            <a:avLst/>
-          </a:prstGeom>
-          <a:noFill/>
-          <a:extLst>
-            <a:ext uri="{909E8E84-426E-40DD-AFC4-6F175D3DCCD1}">
-              <a14:hiddenFill xmlns:a14="http://schemas.microsoft.com/office/drawing/2010/main">
-                <a:solidFill>
-                  <a:srgbClr val="FFFFFF"/>
-                </a:solidFill>
-              </a14:hiddenFill>
-            </a:ext>
-          </a:extLst>
-        </p:spPr>
-      </p:pic>
       <p:sp>
         <p:nvSpPr>
           <p:cNvPr id="5" name="TextBox 4">
@@ -5374,9 +5317,53 @@
             </a:pPr>
             <a:r>
               <a:rPr lang="en-US" dirty="0">
+                <a:hlinkClick r:id="rId3"/>
+              </a:rPr>
+              <a:t>https://a4f8b514434154c1af25777bccd0efa0.babelfishpg.org/docs/:</a:t>
+            </a:r>
+          </a:p>
+          <a:p>
+            <a:pPr marL="742950" lvl="1" indent="-285750">
+              <a:buFont typeface="Wingdings" panose="05000000000000000000" pitchFamily="2" charset="2"/>
+              <a:buChar char="§"/>
+            </a:pPr>
+            <a:r>
+              <a:rPr lang="en-US" dirty="0">
+                <a:hlinkClick r:id="rId3"/>
+              </a:rPr>
+              <a:t>https://a4f8b514434154c1af25777bccd0efa0.babelfishpg.org/docs/internals/postgresql-hooks/</a:t>
+            </a:r>
+          </a:p>
+          <a:p>
+            <a:pPr marL="742950" lvl="1" indent="-285750">
+              <a:buFont typeface="Wingdings" panose="05000000000000000000" pitchFamily="2" charset="2"/>
+              <a:buChar char="§"/>
+            </a:pPr>
+            <a:r>
+              <a:rPr lang="en-US" dirty="0">
+                <a:hlinkClick r:id="rId3"/>
+              </a:rPr>
+              <a:t>https://a4f8b514434154c1af25777bccd0efa0.babelfishpg.org/docs/internals/software-architecture/</a:t>
+            </a:r>
+            <a:endParaRPr lang="en-US" dirty="0"/>
+          </a:p>
+          <a:p>
+            <a:pPr marL="742950" lvl="1" indent="-285750">
+              <a:buFont typeface="Wingdings" panose="05000000000000000000" pitchFamily="2" charset="2"/>
+              <a:buChar char="§"/>
+            </a:pPr>
+            <a:endParaRPr lang="en-US" dirty="0"/>
+          </a:p>
+          <a:p>
+            <a:pPr marL="285750" indent="-285750">
+              <a:buFont typeface="Arial" panose="020B0604020202020204" pitchFamily="34" charset="0"/>
+              <a:buChar char="•"/>
+            </a:pPr>
+            <a:r>
+              <a:rPr lang="en-US" dirty="0">
                 <a:hlinkClick r:id="rId4"/>
               </a:rPr>
-              <a:t>https://a4f8b514434154c1af25777bccd0efa0.babelfishpg.org/docs/:</a:t>
+              <a:t>https://docs.aws.amazon.com/AmazonRDS/latest/AuroraUserGuide/babelfish.html</a:t>
             </a:r>
           </a:p>
           <a:p>
@@ -5388,8 +5375,9 @@
               <a:rPr lang="en-US" dirty="0">
                 <a:hlinkClick r:id="rId4"/>
               </a:rPr>
-              <a:t>https://a4f8b514434154c1af25777bccd0efa0.babelfishpg.org/docs/internals/postgresql-hooks/</a:t>
+              <a:t>https://docs.aws.amazon.com/AmazonRDS/latest/AuroraUserGuide/babelfish-compatibility.tsql.limitations.html</a:t>
             </a:r>
+            <a:endParaRPr lang="en-US" dirty="0"/>
           </a:p>
           <a:p>
             <a:pPr marL="742950" lvl="1" indent="-285750">
@@ -5399,51 +5387,6 @@
             <a:r>
               <a:rPr lang="en-US" dirty="0">
                 <a:hlinkClick r:id="rId4"/>
-              </a:rPr>
-              <a:t>https://a4f8b514434154c1af25777bccd0efa0.babelfishpg.org/docs/internals/software-architecture/</a:t>
-            </a:r>
-            <a:endParaRPr lang="en-US" dirty="0"/>
-          </a:p>
-          <a:p>
-            <a:pPr marL="742950" lvl="1" indent="-285750">
-              <a:buFont typeface="Wingdings" panose="05000000000000000000" pitchFamily="2" charset="2"/>
-              <a:buChar char="§"/>
-            </a:pPr>
-            <a:endParaRPr lang="en-US" dirty="0"/>
-          </a:p>
-          <a:p>
-            <a:pPr marL="285750" indent="-285750">
-              <a:buFont typeface="Arial" panose="020B0604020202020204" pitchFamily="34" charset="0"/>
-              <a:buChar char="•"/>
-            </a:pPr>
-            <a:r>
-              <a:rPr lang="en-US" dirty="0">
-                <a:hlinkClick r:id="rId5"/>
-              </a:rPr>
-              <a:t>https://docs.aws.amazon.com/AmazonRDS/latest/AuroraUserGuide/babelfish.html</a:t>
-            </a:r>
-          </a:p>
-          <a:p>
-            <a:pPr marL="742950" lvl="1" indent="-285750">
-              <a:buFont typeface="Wingdings" panose="05000000000000000000" pitchFamily="2" charset="2"/>
-              <a:buChar char="§"/>
-            </a:pPr>
-            <a:r>
-              <a:rPr lang="en-US" dirty="0">
-                <a:hlinkClick r:id="rId5"/>
-              </a:rPr>
-              <a:t>https://docs.aws.amazon.com/AmazonRDS/latest/AuroraUserGuide/babelfish-compatibility.tsql.limitations.html</a:t>
-            </a:r>
-            <a:endParaRPr lang="en-US" dirty="0"/>
-          </a:p>
-          <a:p>
-            <a:pPr marL="742950" lvl="1" indent="-285750">
-              <a:buFont typeface="Wingdings" panose="05000000000000000000" pitchFamily="2" charset="2"/>
-              <a:buChar char="§"/>
-            </a:pPr>
-            <a:r>
-              <a:rPr lang="en-US" dirty="0">
-                <a:hlinkClick r:id="rId5"/>
               </a:rPr>
               <a:t>https://docs.aws.amazon.com/AmazonRDS/latest/AuroraUserGuide/babelfish-compatibility.tsql.limitations.html</a:t>
             </a:r>
@@ -5967,52 +5910,6 @@
           </a:p>
         </p:txBody>
       </p:sp>
-      <p:pic>
-        <p:nvPicPr>
-          <p:cNvPr id="4" name="Picture 2">
-            <a:extLst>
-              <a:ext uri="{FF2B5EF4-FFF2-40B4-BE49-F238E27FC236}">
-                <a16:creationId xmlns:a16="http://schemas.microsoft.com/office/drawing/2014/main" id="{9884A075-09EB-D790-1EA7-789FBFDBAA34}"/>
-              </a:ext>
-            </a:extLst>
-          </p:cNvPr>
-          <p:cNvPicPr>
-            <a:picLocks noChangeAspect="1" noChangeArrowheads="1"/>
-          </p:cNvPicPr>
-          <p:nvPr/>
-        </p:nvPicPr>
-        <p:blipFill>
-          <a:blip r:embed="rId2">
-            <a:extLst>
-              <a:ext uri="{28A0092B-C50C-407E-A947-70E740481C1C}">
-                <a14:useLocalDpi xmlns:a14="http://schemas.microsoft.com/office/drawing/2010/main" val="0"/>
-              </a:ext>
-            </a:extLst>
-          </a:blip>
-          <a:stretch>
-            <a:fillRect/>
-          </a:stretch>
-        </p:blipFill>
-        <p:spPr bwMode="auto">
-          <a:xfrm>
-            <a:off x="7480622" y="4461768"/>
-            <a:ext cx="1269358" cy="634679"/>
-          </a:xfrm>
-          <a:prstGeom prst="rect">
-            <a:avLst/>
-          </a:prstGeom>
-          <a:noFill/>
-          <a:extLst>
-            <a:ext uri="{909E8E84-426E-40DD-AFC4-6F175D3DCCD1}">
-              <a14:hiddenFill xmlns:a14="http://schemas.microsoft.com/office/drawing/2010/main">
-                <a:solidFill>
-                  <a:srgbClr val="FFFFFF"/>
-                </a:solidFill>
-              </a14:hiddenFill>
-            </a:ext>
-          </a:extLst>
-        </p:spPr>
-      </p:pic>
     </p:spTree>
   </p:cSld>
   <p:clrMapOvr>
@@ -6485,52 +6382,6 @@
           </a:p>
         </p:txBody>
       </p:sp>
-      <p:pic>
-        <p:nvPicPr>
-          <p:cNvPr id="6" name="Picture 2">
-            <a:extLst>
-              <a:ext uri="{FF2B5EF4-FFF2-40B4-BE49-F238E27FC236}">
-                <a16:creationId xmlns:a16="http://schemas.microsoft.com/office/drawing/2014/main" id="{BF06ABB1-C86E-3551-F013-31FADB4B6D45}"/>
-              </a:ext>
-            </a:extLst>
-          </p:cNvPr>
-          <p:cNvPicPr>
-            <a:picLocks noChangeAspect="1" noChangeArrowheads="1"/>
-          </p:cNvPicPr>
-          <p:nvPr/>
-        </p:nvPicPr>
-        <p:blipFill>
-          <a:blip r:embed="rId3">
-            <a:extLst>
-              <a:ext uri="{28A0092B-C50C-407E-A947-70E740481C1C}">
-                <a14:useLocalDpi xmlns:a14="http://schemas.microsoft.com/office/drawing/2010/main" val="0"/>
-              </a:ext>
-            </a:extLst>
-          </a:blip>
-          <a:stretch>
-            <a:fillRect/>
-          </a:stretch>
-        </p:blipFill>
-        <p:spPr bwMode="auto">
-          <a:xfrm>
-            <a:off x="165180" y="472401"/>
-            <a:ext cx="1269358" cy="634679"/>
-          </a:xfrm>
-          <a:prstGeom prst="rect">
-            <a:avLst/>
-          </a:prstGeom>
-          <a:noFill/>
-          <a:extLst>
-            <a:ext uri="{909E8E84-426E-40DD-AFC4-6F175D3DCCD1}">
-              <a14:hiddenFill xmlns:a14="http://schemas.microsoft.com/office/drawing/2010/main">
-                <a:solidFill>
-                  <a:srgbClr val="FFFFFF"/>
-                </a:solidFill>
-              </a14:hiddenFill>
-            </a:ext>
-          </a:extLst>
-        </p:spPr>
-      </p:pic>
       <p:graphicFrame>
         <p:nvGraphicFramePr>
           <p:cNvPr id="3" name="Table 2">
@@ -7526,52 +7377,6 @@
           </a:p>
         </p:txBody>
       </p:sp>
-      <p:pic>
-        <p:nvPicPr>
-          <p:cNvPr id="6" name="Picture 2">
-            <a:extLst>
-              <a:ext uri="{FF2B5EF4-FFF2-40B4-BE49-F238E27FC236}">
-                <a16:creationId xmlns:a16="http://schemas.microsoft.com/office/drawing/2014/main" id="{B0C04687-F421-15A3-92E7-B7BA0C424B53}"/>
-              </a:ext>
-            </a:extLst>
-          </p:cNvPr>
-          <p:cNvPicPr>
-            <a:picLocks noChangeAspect="1" noChangeArrowheads="1"/>
-          </p:cNvPicPr>
-          <p:nvPr/>
-        </p:nvPicPr>
-        <p:blipFill>
-          <a:blip r:embed="rId3">
-            <a:extLst>
-              <a:ext uri="{28A0092B-C50C-407E-A947-70E740481C1C}">
-                <a14:useLocalDpi xmlns:a14="http://schemas.microsoft.com/office/drawing/2010/main" val="0"/>
-              </a:ext>
-            </a:extLst>
-          </a:blip>
-          <a:stretch>
-            <a:fillRect/>
-          </a:stretch>
-        </p:blipFill>
-        <p:spPr bwMode="auto">
-          <a:xfrm>
-            <a:off x="165180" y="472401"/>
-            <a:ext cx="1269358" cy="634679"/>
-          </a:xfrm>
-          <a:prstGeom prst="rect">
-            <a:avLst/>
-          </a:prstGeom>
-          <a:noFill/>
-          <a:extLst>
-            <a:ext uri="{909E8E84-426E-40DD-AFC4-6F175D3DCCD1}">
-              <a14:hiddenFill xmlns:a14="http://schemas.microsoft.com/office/drawing/2010/main">
-                <a:solidFill>
-                  <a:srgbClr val="FFFFFF"/>
-                </a:solidFill>
-              </a14:hiddenFill>
-            </a:ext>
-          </a:extLst>
-        </p:spPr>
-      </p:pic>
       <p:graphicFrame>
         <p:nvGraphicFramePr>
           <p:cNvPr id="3" name="Table 2">
@@ -8692,52 +8497,6 @@
           </a:p>
         </p:txBody>
       </p:sp>
-      <p:pic>
-        <p:nvPicPr>
-          <p:cNvPr id="6" name="Picture 2">
-            <a:extLst>
-              <a:ext uri="{FF2B5EF4-FFF2-40B4-BE49-F238E27FC236}">
-                <a16:creationId xmlns:a16="http://schemas.microsoft.com/office/drawing/2014/main" id="{6274118C-5F03-42FF-B977-19DFB5943EED}"/>
-              </a:ext>
-            </a:extLst>
-          </p:cNvPr>
-          <p:cNvPicPr>
-            <a:picLocks noChangeAspect="1" noChangeArrowheads="1"/>
-          </p:cNvPicPr>
-          <p:nvPr/>
-        </p:nvPicPr>
-        <p:blipFill>
-          <a:blip r:embed="rId3">
-            <a:extLst>
-              <a:ext uri="{28A0092B-C50C-407E-A947-70E740481C1C}">
-                <a14:useLocalDpi xmlns:a14="http://schemas.microsoft.com/office/drawing/2010/main" val="0"/>
-              </a:ext>
-            </a:extLst>
-          </a:blip>
-          <a:stretch>
-            <a:fillRect/>
-          </a:stretch>
-        </p:blipFill>
-        <p:spPr bwMode="auto">
-          <a:xfrm>
-            <a:off x="165180" y="472401"/>
-            <a:ext cx="1269358" cy="634679"/>
-          </a:xfrm>
-          <a:prstGeom prst="rect">
-            <a:avLst/>
-          </a:prstGeom>
-          <a:noFill/>
-          <a:extLst>
-            <a:ext uri="{909E8E84-426E-40DD-AFC4-6F175D3DCCD1}">
-              <a14:hiddenFill xmlns:a14="http://schemas.microsoft.com/office/drawing/2010/main">
-                <a:solidFill>
-                  <a:srgbClr val="FFFFFF"/>
-                </a:solidFill>
-              </a14:hiddenFill>
-            </a:ext>
-          </a:extLst>
-        </p:spPr>
-      </p:pic>
       <p:graphicFrame>
         <p:nvGraphicFramePr>
           <p:cNvPr id="3" name="Table 2">
@@ -9995,52 +9754,6 @@
           </a:p>
         </p:txBody>
       </p:sp>
-      <p:pic>
-        <p:nvPicPr>
-          <p:cNvPr id="6" name="Picture 2">
-            <a:extLst>
-              <a:ext uri="{FF2B5EF4-FFF2-40B4-BE49-F238E27FC236}">
-                <a16:creationId xmlns:a16="http://schemas.microsoft.com/office/drawing/2014/main" id="{B4DF0719-A120-D7FE-2602-C34BFC20A381}"/>
-              </a:ext>
-            </a:extLst>
-          </p:cNvPr>
-          <p:cNvPicPr>
-            <a:picLocks noChangeAspect="1" noChangeArrowheads="1"/>
-          </p:cNvPicPr>
-          <p:nvPr/>
-        </p:nvPicPr>
-        <p:blipFill>
-          <a:blip r:embed="rId3">
-            <a:extLst>
-              <a:ext uri="{28A0092B-C50C-407E-A947-70E740481C1C}">
-                <a14:useLocalDpi xmlns:a14="http://schemas.microsoft.com/office/drawing/2010/main" val="0"/>
-              </a:ext>
-            </a:extLst>
-          </a:blip>
-          <a:stretch>
-            <a:fillRect/>
-          </a:stretch>
-        </p:blipFill>
-        <p:spPr bwMode="auto">
-          <a:xfrm>
-            <a:off x="165180" y="472401"/>
-            <a:ext cx="1269358" cy="634679"/>
-          </a:xfrm>
-          <a:prstGeom prst="rect">
-            <a:avLst/>
-          </a:prstGeom>
-          <a:noFill/>
-          <a:extLst>
-            <a:ext uri="{909E8E84-426E-40DD-AFC4-6F175D3DCCD1}">
-              <a14:hiddenFill xmlns:a14="http://schemas.microsoft.com/office/drawing/2010/main">
-                <a:solidFill>
-                  <a:srgbClr val="FFFFFF"/>
-                </a:solidFill>
-              </a14:hiddenFill>
-            </a:ext>
-          </a:extLst>
-        </p:spPr>
-      </p:pic>
       <p:graphicFrame>
         <p:nvGraphicFramePr>
           <p:cNvPr id="3" name="Table 2">
@@ -11150,52 +10863,6 @@
           </a:p>
         </p:txBody>
       </p:sp>
-      <p:pic>
-        <p:nvPicPr>
-          <p:cNvPr id="6" name="Picture 2">
-            <a:extLst>
-              <a:ext uri="{FF2B5EF4-FFF2-40B4-BE49-F238E27FC236}">
-                <a16:creationId xmlns:a16="http://schemas.microsoft.com/office/drawing/2014/main" id="{C2A9036F-D42D-22AC-6AB6-725E0EAB9F89}"/>
-              </a:ext>
-            </a:extLst>
-          </p:cNvPr>
-          <p:cNvPicPr>
-            <a:picLocks noChangeAspect="1" noChangeArrowheads="1"/>
-          </p:cNvPicPr>
-          <p:nvPr/>
-        </p:nvPicPr>
-        <p:blipFill>
-          <a:blip r:embed="rId3">
-            <a:extLst>
-              <a:ext uri="{28A0092B-C50C-407E-A947-70E740481C1C}">
-                <a14:useLocalDpi xmlns:a14="http://schemas.microsoft.com/office/drawing/2010/main" val="0"/>
-              </a:ext>
-            </a:extLst>
-          </a:blip>
-          <a:stretch>
-            <a:fillRect/>
-          </a:stretch>
-        </p:blipFill>
-        <p:spPr bwMode="auto">
-          <a:xfrm>
-            <a:off x="165180" y="472401"/>
-            <a:ext cx="1269358" cy="634679"/>
-          </a:xfrm>
-          <a:prstGeom prst="rect">
-            <a:avLst/>
-          </a:prstGeom>
-          <a:noFill/>
-          <a:extLst>
-            <a:ext uri="{909E8E84-426E-40DD-AFC4-6F175D3DCCD1}">
-              <a14:hiddenFill xmlns:a14="http://schemas.microsoft.com/office/drawing/2010/main">
-                <a:solidFill>
-                  <a:srgbClr val="FFFFFF"/>
-                </a:solidFill>
-              </a14:hiddenFill>
-            </a:ext>
-          </a:extLst>
-        </p:spPr>
-      </p:pic>
       <p:sp>
         <p:nvSpPr>
           <p:cNvPr id="5" name="TextBox 4">
@@ -11737,52 +11404,6 @@
           </a:p>
         </p:txBody>
       </p:sp>
-      <p:pic>
-        <p:nvPicPr>
-          <p:cNvPr id="6" name="Picture 2">
-            <a:extLst>
-              <a:ext uri="{FF2B5EF4-FFF2-40B4-BE49-F238E27FC236}">
-                <a16:creationId xmlns:a16="http://schemas.microsoft.com/office/drawing/2014/main" id="{60B86EF7-CACE-AC48-B9C4-C3AF5D02AA7E}"/>
-              </a:ext>
-            </a:extLst>
-          </p:cNvPr>
-          <p:cNvPicPr>
-            <a:picLocks noChangeAspect="1" noChangeArrowheads="1"/>
-          </p:cNvPicPr>
-          <p:nvPr/>
-        </p:nvPicPr>
-        <p:blipFill>
-          <a:blip r:embed="rId3">
-            <a:extLst>
-              <a:ext uri="{28A0092B-C50C-407E-A947-70E740481C1C}">
-                <a14:useLocalDpi xmlns:a14="http://schemas.microsoft.com/office/drawing/2010/main" val="0"/>
-              </a:ext>
-            </a:extLst>
-          </a:blip>
-          <a:stretch>
-            <a:fillRect/>
-          </a:stretch>
-        </p:blipFill>
-        <p:spPr bwMode="auto">
-          <a:xfrm>
-            <a:off x="165180" y="472401"/>
-            <a:ext cx="1269358" cy="634679"/>
-          </a:xfrm>
-          <a:prstGeom prst="rect">
-            <a:avLst/>
-          </a:prstGeom>
-          <a:noFill/>
-          <a:extLst>
-            <a:ext uri="{909E8E84-426E-40DD-AFC4-6F175D3DCCD1}">
-              <a14:hiddenFill xmlns:a14="http://schemas.microsoft.com/office/drawing/2010/main">
-                <a:solidFill>
-                  <a:srgbClr val="FFFFFF"/>
-                </a:solidFill>
-              </a14:hiddenFill>
-            </a:ext>
-          </a:extLst>
-        </p:spPr>
-      </p:pic>
       <p:graphicFrame>
         <p:nvGraphicFramePr>
           <p:cNvPr id="7" name="Object 6">
@@ -11811,12 +11432,12 @@
           <a:graphicData uri="http://schemas.openxmlformats.org/presentationml/2006/ole">
             <mc:AlternateContent xmlns:mc="http://schemas.openxmlformats.org/markup-compatibility/2006">
               <mc:Choice xmlns:v="urn:schemas-microsoft-com:vml" Requires="v">
-                <p:oleObj name="Worksheet" r:id="rId4" imgW="5416562" imgH="3702131" progId="Excel.Sheet.12">
+                <p:oleObj name="Worksheet" r:id="rId3" imgW="5416562" imgH="3702131" progId="Excel.Sheet.12">
                   <p:embed/>
                 </p:oleObj>
               </mc:Choice>
               <mc:Fallback>
-                <p:oleObj name="Worksheet" r:id="rId4" imgW="5416562" imgH="3702131" progId="Excel.Sheet.12">
+                <p:oleObj name="Worksheet" r:id="rId3" imgW="5416562" imgH="3702131" progId="Excel.Sheet.12">
                   <p:embed/>
                   <p:pic>
                     <p:nvPicPr>
@@ -11825,7 +11446,7 @@
                       <p:nvPr/>
                     </p:nvPicPr>
                     <p:blipFill>
-                      <a:blip r:embed="rId5"/>
+                      <a:blip r:embed="rId4"/>
                       <a:stretch>
                         <a:fillRect/>
                       </a:stretch>
@@ -12307,52 +11928,6 @@
           </a:p>
         </p:txBody>
       </p:sp>
-      <p:pic>
-        <p:nvPicPr>
-          <p:cNvPr id="6" name="Picture 2">
-            <a:extLst>
-              <a:ext uri="{FF2B5EF4-FFF2-40B4-BE49-F238E27FC236}">
-                <a16:creationId xmlns:a16="http://schemas.microsoft.com/office/drawing/2014/main" id="{2C807B6B-493F-3E5B-C1CB-84967F458A77}"/>
-              </a:ext>
-            </a:extLst>
-          </p:cNvPr>
-          <p:cNvPicPr>
-            <a:picLocks noChangeAspect="1" noChangeArrowheads="1"/>
-          </p:cNvPicPr>
-          <p:nvPr/>
-        </p:nvPicPr>
-        <p:blipFill>
-          <a:blip r:embed="rId3">
-            <a:extLst>
-              <a:ext uri="{28A0092B-C50C-407E-A947-70E740481C1C}">
-                <a14:useLocalDpi xmlns:a14="http://schemas.microsoft.com/office/drawing/2010/main" val="0"/>
-              </a:ext>
-            </a:extLst>
-          </a:blip>
-          <a:stretch>
-            <a:fillRect/>
-          </a:stretch>
-        </p:blipFill>
-        <p:spPr bwMode="auto">
-          <a:xfrm>
-            <a:off x="165180" y="472401"/>
-            <a:ext cx="1269358" cy="634679"/>
-          </a:xfrm>
-          <a:prstGeom prst="rect">
-            <a:avLst/>
-          </a:prstGeom>
-          <a:noFill/>
-          <a:extLst>
-            <a:ext uri="{909E8E84-426E-40DD-AFC4-6F175D3DCCD1}">
-              <a14:hiddenFill xmlns:a14="http://schemas.microsoft.com/office/drawing/2010/main">
-                <a:solidFill>
-                  <a:srgbClr val="FFFFFF"/>
-                </a:solidFill>
-              </a14:hiddenFill>
-            </a:ext>
-          </a:extLst>
-        </p:spPr>
-      </p:pic>
       <p:graphicFrame>
         <p:nvGraphicFramePr>
           <p:cNvPr id="5" name="Object 4">
@@ -12381,12 +11956,12 @@
           <a:graphicData uri="http://schemas.openxmlformats.org/presentationml/2006/ole">
             <mc:AlternateContent xmlns:mc="http://schemas.openxmlformats.org/markup-compatibility/2006">
               <mc:Choice xmlns:v="urn:schemas-microsoft-com:vml" Requires="v">
-                <p:oleObj name="Worksheet" r:id="rId4" imgW="5346725" imgH="3149527" progId="Excel.Sheet.12">
+                <p:oleObj name="Worksheet" r:id="rId3" imgW="5346725" imgH="3149527" progId="Excel.Sheet.12">
                   <p:embed/>
                 </p:oleObj>
               </mc:Choice>
               <mc:Fallback>
-                <p:oleObj name="Worksheet" r:id="rId4" imgW="5346725" imgH="3149527" progId="Excel.Sheet.12">
+                <p:oleObj name="Worksheet" r:id="rId3" imgW="5346725" imgH="3149527" progId="Excel.Sheet.12">
                   <p:embed/>
                   <p:pic>
                     <p:nvPicPr>
@@ -12395,7 +11970,7 @@
                       <p:nvPr/>
                     </p:nvPicPr>
                     <p:blipFill>
-                      <a:blip r:embed="rId5"/>
+                      <a:blip r:embed="rId4"/>
                       <a:stretch>
                         <a:fillRect/>
                       </a:stretch>
